--- a/Apresentacao seguranca informacao.pptx
+++ b/Apresentacao seguranca informacao.pptx
@@ -228,7 +228,7 @@
             <a:fld id="{D3A8EBA5-A3D1-458F-B493-A7784F843002}" type="datetimeFigureOut">
               <a:rPr lang="en-US" smtClean="0"/>
               <a:pPr/>
-              <a:t>11/25/2016</a:t>
+              <a:t>12/2/2016</a:t>
             </a:fld>
             <a:endParaRPr lang="en-US"/>
           </a:p>
@@ -678,7 +678,7 @@
             <a:fld id="{50201450-F2A9-41C1-8119-B38BC03DA58C}" type="datetime1">
               <a:rPr lang="en-US" smtClean="0"/>
               <a:pPr/>
-              <a:t>11/25/2016</a:t>
+              <a:t>12/2/2016</a:t>
             </a:fld>
             <a:endParaRPr lang="en-US"/>
           </a:p>
@@ -843,7 +843,7 @@
             <a:fld id="{2FEA0145-8AC0-4DDC-911D-F77BEBC790BD}" type="datetime1">
               <a:rPr lang="en-US" smtClean="0"/>
               <a:pPr/>
-              <a:t>11/25/2016</a:t>
+              <a:t>12/2/2016</a:t>
             </a:fld>
             <a:endParaRPr lang="en-US"/>
           </a:p>
@@ -1018,7 +1018,7 @@
             <a:fld id="{511E4AA7-0685-45A7-9F44-7D10107E141B}" type="datetime1">
               <a:rPr lang="en-US" smtClean="0"/>
               <a:pPr/>
-              <a:t>11/25/2016</a:t>
+              <a:t>12/2/2016</a:t>
             </a:fld>
             <a:endParaRPr lang="en-US"/>
           </a:p>
@@ -1183,7 +1183,7 @@
             <a:fld id="{02FFE042-8C99-4012-BBC4-835B518843A0}" type="datetime1">
               <a:rPr lang="en-US" smtClean="0"/>
               <a:pPr/>
-              <a:t>11/25/2016</a:t>
+              <a:t>12/2/2016</a:t>
             </a:fld>
             <a:endParaRPr lang="en-US"/>
           </a:p>
@@ -1425,7 +1425,7 @@
             <a:fld id="{0D4C97B6-059F-43FD-B53A-998549F69658}" type="datetime1">
               <a:rPr lang="en-US" smtClean="0"/>
               <a:pPr/>
-              <a:t>11/25/2016</a:t>
+              <a:t>12/2/2016</a:t>
             </a:fld>
             <a:endParaRPr lang="en-US"/>
           </a:p>
@@ -1707,7 +1707,7 @@
             <a:fld id="{EB07978A-2AF6-4872-9549-BBC7E5EEFE7B}" type="datetime1">
               <a:rPr lang="en-US" smtClean="0"/>
               <a:pPr/>
-              <a:t>11/25/2016</a:t>
+              <a:t>12/2/2016</a:t>
             </a:fld>
             <a:endParaRPr lang="en-US"/>
           </a:p>
@@ -2123,7 +2123,7 @@
             <a:fld id="{A90C1374-2E5A-42C7-B8F6-0AB8B24FEC0B}" type="datetime1">
               <a:rPr lang="en-US" smtClean="0"/>
               <a:pPr/>
-              <a:t>11/25/2016</a:t>
+              <a:t>12/2/2016</a:t>
             </a:fld>
             <a:endParaRPr lang="en-US"/>
           </a:p>
@@ -2237,7 +2237,7 @@
             <a:fld id="{046B26FA-4A17-4144-A70F-4074511E2C99}" type="datetime1">
               <a:rPr lang="en-US" smtClean="0"/>
               <a:pPr/>
-              <a:t>11/25/2016</a:t>
+              <a:t>12/2/2016</a:t>
             </a:fld>
             <a:endParaRPr lang="en-US"/>
           </a:p>
@@ -2329,7 +2329,7 @@
             <a:fld id="{430BF8BC-40DC-4171-ABBA-F975DA434BC3}" type="datetime1">
               <a:rPr lang="en-US" smtClean="0"/>
               <a:pPr/>
-              <a:t>11/25/2016</a:t>
+              <a:t>12/2/2016</a:t>
             </a:fld>
             <a:endParaRPr lang="en-US"/>
           </a:p>
@@ -2601,7 +2601,7 @@
             <a:fld id="{36B2C415-8473-40AA-9C9E-EA02E2BBE695}" type="datetime1">
               <a:rPr lang="en-US" smtClean="0"/>
               <a:pPr/>
-              <a:t>11/25/2016</a:t>
+              <a:t>12/2/2016</a:t>
             </a:fld>
             <a:endParaRPr lang="en-US"/>
           </a:p>
@@ -2850,7 +2850,7 @@
             <a:fld id="{55215ABF-363E-43D1-B7C6-BD8F5D7891DF}" type="datetime1">
               <a:rPr lang="en-US" smtClean="0"/>
               <a:pPr/>
-              <a:t>11/25/2016</a:t>
+              <a:t>12/2/2016</a:t>
             </a:fld>
             <a:endParaRPr lang="en-US"/>
           </a:p>
@@ -3058,7 +3058,7 @@
             <a:fld id="{A4D20CB3-E548-497B-8DA5-345095E99FDB}" type="datetime1">
               <a:rPr lang="en-US" smtClean="0"/>
               <a:pPr/>
-              <a:t>11/25/2016</a:t>
+              <a:t>12/2/2016</a:t>
             </a:fld>
             <a:endParaRPr lang="en-US"/>
           </a:p>
@@ -8825,8 +8825,8 @@
           <a:lstStyle/>
           <a:p>
             <a:r>
-              <a:rPr lang="pt-BR" sz="6000" dirty="0"/>
-              <a:t>Obrigado?</a:t>
+              <a:rPr lang="pt-BR" sz="6000"/>
+              <a:t>Obrigado!</a:t>
             </a:r>
             <a:endParaRPr lang="en-US" sz="6000" dirty="0"/>
           </a:p>
